--- a/1-Documentations/E - Dernière présentation/Conseil 7.pptx
+++ b/1-Documentations/E - Dernière présentation/Conseil 7.pptx
@@ -26,17 +26,17 @@
     <p:sldId id="299" r:id="rId14"/>
     <p:sldId id="300" r:id="rId15"/>
     <p:sldId id="301" r:id="rId16"/>
-    <p:sldId id="297" r:id="rId17"/>
-    <p:sldId id="291" r:id="rId18"/>
-    <p:sldId id="296" r:id="rId19"/>
-    <p:sldId id="264" r:id="rId20"/>
-    <p:sldId id="286" r:id="rId21"/>
-    <p:sldId id="302" r:id="rId22"/>
-    <p:sldId id="268" r:id="rId23"/>
-    <p:sldId id="287" r:id="rId24"/>
-    <p:sldId id="304" r:id="rId25"/>
-    <p:sldId id="305" r:id="rId26"/>
-    <p:sldId id="306" r:id="rId27"/>
+    <p:sldId id="291" r:id="rId17"/>
+    <p:sldId id="296" r:id="rId18"/>
+    <p:sldId id="264" r:id="rId19"/>
+    <p:sldId id="286" r:id="rId20"/>
+    <p:sldId id="302" r:id="rId21"/>
+    <p:sldId id="268" r:id="rId22"/>
+    <p:sldId id="287" r:id="rId23"/>
+    <p:sldId id="304" r:id="rId24"/>
+    <p:sldId id="305" r:id="rId25"/>
+    <p:sldId id="306" r:id="rId26"/>
+    <p:sldId id="307" r:id="rId27"/>
     <p:sldId id="303" r:id="rId28"/>
     <p:sldId id="266" r:id="rId29"/>
   </p:sldIdLst>
@@ -191,7 +191,6 @@
             <p14:sldId id="299"/>
             <p14:sldId id="300"/>
             <p14:sldId id="301"/>
-            <p14:sldId id="297"/>
             <p14:sldId id="291"/>
             <p14:sldId id="296"/>
           </p14:sldIdLst>
@@ -210,6 +209,7 @@
         </p14:section>
         <p14:section name="Améliorations" id="{55338D4C-4EAB-4A93-8F02-2FF161DC5482}">
           <p14:sldIdLst>
+            <p14:sldId id="307"/>
             <p14:sldId id="303"/>
           </p14:sldIdLst>
         </p14:section>
@@ -221,7 +221,7 @@
       </p14:sectionLst>
     </p:ext>
     <p:ext uri="{EFAFB233-063F-42B5-8137-9DF3F51BA10A}">
-      <p15:sldGuideLst xmlns:p15="http://schemas.microsoft.com/office/powerpoint/2012/main" xmlns="">
+      <p15:sldGuideLst xmlns="" xmlns:p15="http://schemas.microsoft.com/office/powerpoint/2012/main">
         <p15:guide id="1" orient="horz" pos="2160">
           <p15:clr>
             <a:srgbClr val="A4A3A4"/>
@@ -3528,15 +3528,15 @@
     </dgm:pt>
   </dgm:ptLst>
   <dgm:cxnLst>
+    <dgm:cxn modelId="{D483A8DA-0407-41D3-8196-7A3F9347EB03}" srcId="{7C4CCB48-C0F2-47BD-897F-68F1F33A02A5}" destId="{41B744B3-C780-4250-B8D0-00640162DBC3}" srcOrd="3" destOrd="0" parTransId="{8C934944-DCE4-44A4-8951-42536D8C25C9}" sibTransId="{94FD9536-7E43-4EB9-B0D1-91344A0E93B5}"/>
+    <dgm:cxn modelId="{CF8A2599-BEC8-491C-9596-8CA30AF8C724}" type="presOf" srcId="{B79DC575-3C2D-48A8-9770-FB2CF303BE2E}" destId="{5B7BAEE7-9BDE-4C08-A7FD-DC23867DD1ED}" srcOrd="0" destOrd="0" presId="urn:microsoft.com/office/officeart/2005/8/layout/hChevron3"/>
     <dgm:cxn modelId="{7E7A5D1F-57B9-43CD-B6D5-BF5D2AD66E02}" type="presOf" srcId="{6DC2D603-4A83-4B94-BACF-0E5CBC38F484}" destId="{7F426AB6-763A-4D75-A6B8-E43036075AEF}" srcOrd="0" destOrd="0" presId="urn:microsoft.com/office/officeart/2005/8/layout/hChevron3"/>
+    <dgm:cxn modelId="{79FBB6DA-E897-40C8-BE6A-F70BA7B284FA}" srcId="{7C4CCB48-C0F2-47BD-897F-68F1F33A02A5}" destId="{5C99FDBD-770A-491C-8590-BEB35FD15220}" srcOrd="2" destOrd="0" parTransId="{31B60EEC-47A5-458E-950F-7E76F6FDFBAD}" sibTransId="{CAD60A61-95FE-492D-B460-97A8E4E1F5A9}"/>
     <dgm:cxn modelId="{6E057909-A0AA-4E8B-88BF-7A917B66F337}" type="presOf" srcId="{41B744B3-C780-4250-B8D0-00640162DBC3}" destId="{97C0F61C-999C-49F1-9C9D-EFBE3C992983}" srcOrd="0" destOrd="0" presId="urn:microsoft.com/office/officeart/2005/8/layout/hChevron3"/>
-    <dgm:cxn modelId="{CF8A2599-BEC8-491C-9596-8CA30AF8C724}" type="presOf" srcId="{B79DC575-3C2D-48A8-9770-FB2CF303BE2E}" destId="{5B7BAEE7-9BDE-4C08-A7FD-DC23867DD1ED}" srcOrd="0" destOrd="0" presId="urn:microsoft.com/office/officeart/2005/8/layout/hChevron3"/>
+    <dgm:cxn modelId="{6D52726D-A881-4045-9C7A-8CD726FC1243}" srcId="{7C4CCB48-C0F2-47BD-897F-68F1F33A02A5}" destId="{B79DC575-3C2D-48A8-9770-FB2CF303BE2E}" srcOrd="1" destOrd="0" parTransId="{5AE17298-F697-407E-8C23-73D86C7D4E12}" sibTransId="{93789498-63BA-410F-8A0D-D354DBB15372}"/>
+    <dgm:cxn modelId="{D0430A6F-CDDC-4D0F-A921-9CFEDEC19481}" srcId="{7C4CCB48-C0F2-47BD-897F-68F1F33A02A5}" destId="{6DC2D603-4A83-4B94-BACF-0E5CBC38F484}" srcOrd="0" destOrd="0" parTransId="{7DC0C4C0-E139-446C-A933-16747133B80E}" sibTransId="{D083FD0B-5C6E-473E-9DE1-3DF30FD442BC}"/>
+    <dgm:cxn modelId="{76815753-D28E-47BA-8DBF-49E9BA10181E}" type="presOf" srcId="{7C4CCB48-C0F2-47BD-897F-68F1F33A02A5}" destId="{C50B149C-CF8E-4295-81A4-28CB3A779A22}" srcOrd="0" destOrd="0" presId="urn:microsoft.com/office/officeart/2005/8/layout/hChevron3"/>
     <dgm:cxn modelId="{B021F3D5-5786-49E1-AE52-D6C909CB8B71}" type="presOf" srcId="{5C99FDBD-770A-491C-8590-BEB35FD15220}" destId="{ABA5D23A-51C8-4FBE-9DC6-5F452EB0D6E9}" srcOrd="0" destOrd="0" presId="urn:microsoft.com/office/officeart/2005/8/layout/hChevron3"/>
-    <dgm:cxn modelId="{79FBB6DA-E897-40C8-BE6A-F70BA7B284FA}" srcId="{7C4CCB48-C0F2-47BD-897F-68F1F33A02A5}" destId="{5C99FDBD-770A-491C-8590-BEB35FD15220}" srcOrd="2" destOrd="0" parTransId="{31B60EEC-47A5-458E-950F-7E76F6FDFBAD}" sibTransId="{CAD60A61-95FE-492D-B460-97A8E4E1F5A9}"/>
-    <dgm:cxn modelId="{D483A8DA-0407-41D3-8196-7A3F9347EB03}" srcId="{7C4CCB48-C0F2-47BD-897F-68F1F33A02A5}" destId="{41B744B3-C780-4250-B8D0-00640162DBC3}" srcOrd="3" destOrd="0" parTransId="{8C934944-DCE4-44A4-8951-42536D8C25C9}" sibTransId="{94FD9536-7E43-4EB9-B0D1-91344A0E93B5}"/>
-    <dgm:cxn modelId="{D0430A6F-CDDC-4D0F-A921-9CFEDEC19481}" srcId="{7C4CCB48-C0F2-47BD-897F-68F1F33A02A5}" destId="{6DC2D603-4A83-4B94-BACF-0E5CBC38F484}" srcOrd="0" destOrd="0" parTransId="{7DC0C4C0-E139-446C-A933-16747133B80E}" sibTransId="{D083FD0B-5C6E-473E-9DE1-3DF30FD442BC}"/>
-    <dgm:cxn modelId="{6D52726D-A881-4045-9C7A-8CD726FC1243}" srcId="{7C4CCB48-C0F2-47BD-897F-68F1F33A02A5}" destId="{B79DC575-3C2D-48A8-9770-FB2CF303BE2E}" srcOrd="1" destOrd="0" parTransId="{5AE17298-F697-407E-8C23-73D86C7D4E12}" sibTransId="{93789498-63BA-410F-8A0D-D354DBB15372}"/>
-    <dgm:cxn modelId="{76815753-D28E-47BA-8DBF-49E9BA10181E}" type="presOf" srcId="{7C4CCB48-C0F2-47BD-897F-68F1F33A02A5}" destId="{C50B149C-CF8E-4295-81A4-28CB3A779A22}" srcOrd="0" destOrd="0" presId="urn:microsoft.com/office/officeart/2005/8/layout/hChevron3"/>
     <dgm:cxn modelId="{D63D6B92-0D79-4713-80EF-BAA32ECEB5BB}" type="presParOf" srcId="{C50B149C-CF8E-4295-81A4-28CB3A779A22}" destId="{7F426AB6-763A-4D75-A6B8-E43036075AEF}" srcOrd="0" destOrd="0" presId="urn:microsoft.com/office/officeart/2005/8/layout/hChevron3"/>
     <dgm:cxn modelId="{3DE2F671-BCA7-48A6-854D-E9FD525BCD61}" type="presParOf" srcId="{C50B149C-CF8E-4295-81A4-28CB3A779A22}" destId="{EA29D319-73A4-4C4F-9B6F-5A3FAA9E7350}" srcOrd="1" destOrd="0" presId="urn:microsoft.com/office/officeart/2005/8/layout/hChevron3"/>
     <dgm:cxn modelId="{2F7D2D64-17E2-4A6A-B758-69BEECE2CC10}" type="presParOf" srcId="{C50B149C-CF8E-4295-81A4-28CB3A779A22}" destId="{5B7BAEE7-9BDE-4C08-A7FD-DC23867DD1ED}" srcOrd="2" destOrd="0" presId="urn:microsoft.com/office/officeart/2005/8/layout/hChevron3"/>
@@ -3859,15 +3859,15 @@
     </dgm:pt>
   </dgm:ptLst>
   <dgm:cxnLst>
+    <dgm:cxn modelId="{D0430A6F-CDDC-4D0F-A921-9CFEDEC19481}" srcId="{7C4CCB48-C0F2-47BD-897F-68F1F33A02A5}" destId="{6DC2D603-4A83-4B94-BACF-0E5CBC38F484}" srcOrd="0" destOrd="0" parTransId="{7DC0C4C0-E139-446C-A933-16747133B80E}" sibTransId="{D083FD0B-5C6E-473E-9DE1-3DF30FD442BC}"/>
+    <dgm:cxn modelId="{D58C3335-97E1-4432-ABCC-5A0E88C0D33D}" type="presOf" srcId="{6DC2D603-4A83-4B94-BACF-0E5CBC38F484}" destId="{7F426AB6-763A-4D75-A6B8-E43036075AEF}" srcOrd="0" destOrd="0" presId="urn:microsoft.com/office/officeart/2005/8/layout/hChevron3"/>
+    <dgm:cxn modelId="{EE87F082-45FD-4E53-8770-B8834FADF02A}" srcId="{7C4CCB48-C0F2-47BD-897F-68F1F33A02A5}" destId="{9FA9866B-A3E7-4E80-AA77-731149C349AC}" srcOrd="2" destOrd="0" parTransId="{3E8DBB77-B88A-41CA-89FC-7B1EDA39C3B8}" sibTransId="{6E0B0990-2CFB-4C87-B15F-17BBBEFED9E0}"/>
+    <dgm:cxn modelId="{6B021D3F-0CBF-459A-8757-74E40719302C}" type="presOf" srcId="{7C4CCB48-C0F2-47BD-897F-68F1F33A02A5}" destId="{C50B149C-CF8E-4295-81A4-28CB3A779A22}" srcOrd="0" destOrd="0" presId="urn:microsoft.com/office/officeart/2005/8/layout/hChevron3"/>
+    <dgm:cxn modelId="{D483A8DA-0407-41D3-8196-7A3F9347EB03}" srcId="{7C4CCB48-C0F2-47BD-897F-68F1F33A02A5}" destId="{41B744B3-C780-4250-B8D0-00640162DBC3}" srcOrd="3" destOrd="0" parTransId="{8C934944-DCE4-44A4-8951-42536D8C25C9}" sibTransId="{94FD9536-7E43-4EB9-B0D1-91344A0E93B5}"/>
     <dgm:cxn modelId="{B37FE64B-0AD5-4092-804D-AD71C5E30EAF}" type="presOf" srcId="{B79DC575-3C2D-48A8-9770-FB2CF303BE2E}" destId="{5B7BAEE7-9BDE-4C08-A7FD-DC23867DD1ED}" srcOrd="0" destOrd="0" presId="urn:microsoft.com/office/officeart/2005/8/layout/hChevron3"/>
+    <dgm:cxn modelId="{0205DAE1-FFDA-4CD1-ADC4-62ED2F4212F6}" type="presOf" srcId="{41B744B3-C780-4250-B8D0-00640162DBC3}" destId="{97C0F61C-999C-49F1-9C9D-EFBE3C992983}" srcOrd="0" destOrd="0" presId="urn:microsoft.com/office/officeart/2005/8/layout/hChevron3"/>
     <dgm:cxn modelId="{04F624F2-9352-429F-99F8-D1268D9334A1}" type="presOf" srcId="{9FA9866B-A3E7-4E80-AA77-731149C349AC}" destId="{8F7B9323-272C-4866-AEC4-589EA987C9B0}" srcOrd="0" destOrd="0" presId="urn:microsoft.com/office/officeart/2005/8/layout/hChevron3"/>
-    <dgm:cxn modelId="{EE87F082-45FD-4E53-8770-B8834FADF02A}" srcId="{7C4CCB48-C0F2-47BD-897F-68F1F33A02A5}" destId="{9FA9866B-A3E7-4E80-AA77-731149C349AC}" srcOrd="2" destOrd="0" parTransId="{3E8DBB77-B88A-41CA-89FC-7B1EDA39C3B8}" sibTransId="{6E0B0990-2CFB-4C87-B15F-17BBBEFED9E0}"/>
-    <dgm:cxn modelId="{0205DAE1-FFDA-4CD1-ADC4-62ED2F4212F6}" type="presOf" srcId="{41B744B3-C780-4250-B8D0-00640162DBC3}" destId="{97C0F61C-999C-49F1-9C9D-EFBE3C992983}" srcOrd="0" destOrd="0" presId="urn:microsoft.com/office/officeart/2005/8/layout/hChevron3"/>
-    <dgm:cxn modelId="{D0430A6F-CDDC-4D0F-A921-9CFEDEC19481}" srcId="{7C4CCB48-C0F2-47BD-897F-68F1F33A02A5}" destId="{6DC2D603-4A83-4B94-BACF-0E5CBC38F484}" srcOrd="0" destOrd="0" parTransId="{7DC0C4C0-E139-446C-A933-16747133B80E}" sibTransId="{D083FD0B-5C6E-473E-9DE1-3DF30FD442BC}"/>
-    <dgm:cxn modelId="{D483A8DA-0407-41D3-8196-7A3F9347EB03}" srcId="{7C4CCB48-C0F2-47BD-897F-68F1F33A02A5}" destId="{41B744B3-C780-4250-B8D0-00640162DBC3}" srcOrd="3" destOrd="0" parTransId="{8C934944-DCE4-44A4-8951-42536D8C25C9}" sibTransId="{94FD9536-7E43-4EB9-B0D1-91344A0E93B5}"/>
     <dgm:cxn modelId="{6D52726D-A881-4045-9C7A-8CD726FC1243}" srcId="{7C4CCB48-C0F2-47BD-897F-68F1F33A02A5}" destId="{B79DC575-3C2D-48A8-9770-FB2CF303BE2E}" srcOrd="1" destOrd="0" parTransId="{5AE17298-F697-407E-8C23-73D86C7D4E12}" sibTransId="{93789498-63BA-410F-8A0D-D354DBB15372}"/>
-    <dgm:cxn modelId="{D58C3335-97E1-4432-ABCC-5A0E88C0D33D}" type="presOf" srcId="{6DC2D603-4A83-4B94-BACF-0E5CBC38F484}" destId="{7F426AB6-763A-4D75-A6B8-E43036075AEF}" srcOrd="0" destOrd="0" presId="urn:microsoft.com/office/officeart/2005/8/layout/hChevron3"/>
-    <dgm:cxn modelId="{6B021D3F-0CBF-459A-8757-74E40719302C}" type="presOf" srcId="{7C4CCB48-C0F2-47BD-897F-68F1F33A02A5}" destId="{C50B149C-CF8E-4295-81A4-28CB3A779A22}" srcOrd="0" destOrd="0" presId="urn:microsoft.com/office/officeart/2005/8/layout/hChevron3"/>
     <dgm:cxn modelId="{8908E68B-5D07-46ED-BFD6-2EF1D7A8213D}" type="presParOf" srcId="{C50B149C-CF8E-4295-81A4-28CB3A779A22}" destId="{7F426AB6-763A-4D75-A6B8-E43036075AEF}" srcOrd="0" destOrd="0" presId="urn:microsoft.com/office/officeart/2005/8/layout/hChevron3"/>
     <dgm:cxn modelId="{3664A31E-58B1-46C3-80E7-F8C223EBA4CD}" type="presParOf" srcId="{C50B149C-CF8E-4295-81A4-28CB3A779A22}" destId="{EA29D319-73A4-4C4F-9B6F-5A3FAA9E7350}" srcOrd="1" destOrd="0" presId="urn:microsoft.com/office/officeart/2005/8/layout/hChevron3"/>
     <dgm:cxn modelId="{F5153FCF-2BF6-437F-B8E0-ECAB42F9A704}" type="presParOf" srcId="{C50B149C-CF8E-4295-81A4-28CB3A779A22}" destId="{5B7BAEE7-9BDE-4C08-A7FD-DC23867DD1ED}" srcOrd="2" destOrd="0" presId="urn:microsoft.com/office/officeart/2005/8/layout/hChevron3"/>
@@ -4192,15 +4192,15 @@
     </dgm:pt>
   </dgm:ptLst>
   <dgm:cxnLst>
+    <dgm:cxn modelId="{D483A8DA-0407-41D3-8196-7A3F9347EB03}" srcId="{7C4CCB48-C0F2-47BD-897F-68F1F33A02A5}" destId="{41B744B3-C780-4250-B8D0-00640162DBC3}" srcOrd="3" destOrd="0" parTransId="{8C934944-DCE4-44A4-8951-42536D8C25C9}" sibTransId="{94FD9536-7E43-4EB9-B0D1-91344A0E93B5}"/>
+    <dgm:cxn modelId="{2D9E5244-5860-4BFF-B677-69FD380EDFB8}" type="presOf" srcId="{6DC2D603-4A83-4B94-BACF-0E5CBC38F484}" destId="{7F426AB6-763A-4D75-A6B8-E43036075AEF}" srcOrd="0" destOrd="0" presId="urn:microsoft.com/office/officeart/2005/8/layout/hChevron3"/>
     <dgm:cxn modelId="{EE87F082-45FD-4E53-8770-B8834FADF02A}" srcId="{7C4CCB48-C0F2-47BD-897F-68F1F33A02A5}" destId="{9FA9866B-A3E7-4E80-AA77-731149C349AC}" srcOrd="2" destOrd="0" parTransId="{3E8DBB77-B88A-41CA-89FC-7B1EDA39C3B8}" sibTransId="{6E0B0990-2CFB-4C87-B15F-17BBBEFED9E0}"/>
+    <dgm:cxn modelId="{606039A0-16EB-4EDC-9C43-68A214284A12}" type="presOf" srcId="{B79DC575-3C2D-48A8-9770-FB2CF303BE2E}" destId="{5B7BAEE7-9BDE-4C08-A7FD-DC23867DD1ED}" srcOrd="0" destOrd="0" presId="urn:microsoft.com/office/officeart/2005/8/layout/hChevron3"/>
+    <dgm:cxn modelId="{3D43856A-1EFC-46E6-A934-FA8C99BD5133}" type="presOf" srcId="{7C4CCB48-C0F2-47BD-897F-68F1F33A02A5}" destId="{C50B149C-CF8E-4295-81A4-28CB3A779A22}" srcOrd="0" destOrd="0" presId="urn:microsoft.com/office/officeart/2005/8/layout/hChevron3"/>
     <dgm:cxn modelId="{A2313306-19AD-4EF7-B851-52474F56DA74}" type="presOf" srcId="{41B744B3-C780-4250-B8D0-00640162DBC3}" destId="{97C0F61C-999C-49F1-9C9D-EFBE3C992983}" srcOrd="0" destOrd="0" presId="urn:microsoft.com/office/officeart/2005/8/layout/hChevron3"/>
-    <dgm:cxn modelId="{2D9E5244-5860-4BFF-B677-69FD380EDFB8}" type="presOf" srcId="{6DC2D603-4A83-4B94-BACF-0E5CBC38F484}" destId="{7F426AB6-763A-4D75-A6B8-E43036075AEF}" srcOrd="0" destOrd="0" presId="urn:microsoft.com/office/officeart/2005/8/layout/hChevron3"/>
-    <dgm:cxn modelId="{D483A8DA-0407-41D3-8196-7A3F9347EB03}" srcId="{7C4CCB48-C0F2-47BD-897F-68F1F33A02A5}" destId="{41B744B3-C780-4250-B8D0-00640162DBC3}" srcOrd="3" destOrd="0" parTransId="{8C934944-DCE4-44A4-8951-42536D8C25C9}" sibTransId="{94FD9536-7E43-4EB9-B0D1-91344A0E93B5}"/>
+    <dgm:cxn modelId="{A890B53F-504F-4FA6-BC2C-0262067B5C04}" type="presOf" srcId="{9FA9866B-A3E7-4E80-AA77-731149C349AC}" destId="{8F7B9323-272C-4866-AEC4-589EA987C9B0}" srcOrd="0" destOrd="0" presId="urn:microsoft.com/office/officeart/2005/8/layout/hChevron3"/>
+    <dgm:cxn modelId="{6D52726D-A881-4045-9C7A-8CD726FC1243}" srcId="{7C4CCB48-C0F2-47BD-897F-68F1F33A02A5}" destId="{B79DC575-3C2D-48A8-9770-FB2CF303BE2E}" srcOrd="1" destOrd="0" parTransId="{5AE17298-F697-407E-8C23-73D86C7D4E12}" sibTransId="{93789498-63BA-410F-8A0D-D354DBB15372}"/>
     <dgm:cxn modelId="{D0430A6F-CDDC-4D0F-A921-9CFEDEC19481}" srcId="{7C4CCB48-C0F2-47BD-897F-68F1F33A02A5}" destId="{6DC2D603-4A83-4B94-BACF-0E5CBC38F484}" srcOrd="0" destOrd="0" parTransId="{7DC0C4C0-E139-446C-A933-16747133B80E}" sibTransId="{D083FD0B-5C6E-473E-9DE1-3DF30FD442BC}"/>
-    <dgm:cxn modelId="{606039A0-16EB-4EDC-9C43-68A214284A12}" type="presOf" srcId="{B79DC575-3C2D-48A8-9770-FB2CF303BE2E}" destId="{5B7BAEE7-9BDE-4C08-A7FD-DC23867DD1ED}" srcOrd="0" destOrd="0" presId="urn:microsoft.com/office/officeart/2005/8/layout/hChevron3"/>
-    <dgm:cxn modelId="{6D52726D-A881-4045-9C7A-8CD726FC1243}" srcId="{7C4CCB48-C0F2-47BD-897F-68F1F33A02A5}" destId="{B79DC575-3C2D-48A8-9770-FB2CF303BE2E}" srcOrd="1" destOrd="0" parTransId="{5AE17298-F697-407E-8C23-73D86C7D4E12}" sibTransId="{93789498-63BA-410F-8A0D-D354DBB15372}"/>
-    <dgm:cxn modelId="{3D43856A-1EFC-46E6-A934-FA8C99BD5133}" type="presOf" srcId="{7C4CCB48-C0F2-47BD-897F-68F1F33A02A5}" destId="{C50B149C-CF8E-4295-81A4-28CB3A779A22}" srcOrd="0" destOrd="0" presId="urn:microsoft.com/office/officeart/2005/8/layout/hChevron3"/>
-    <dgm:cxn modelId="{A890B53F-504F-4FA6-BC2C-0262067B5C04}" type="presOf" srcId="{9FA9866B-A3E7-4E80-AA77-731149C349AC}" destId="{8F7B9323-272C-4866-AEC4-589EA987C9B0}" srcOrd="0" destOrd="0" presId="urn:microsoft.com/office/officeart/2005/8/layout/hChevron3"/>
     <dgm:cxn modelId="{E584AC37-8B72-4312-8E02-645F7FD6A9EB}" type="presParOf" srcId="{C50B149C-CF8E-4295-81A4-28CB3A779A22}" destId="{7F426AB6-763A-4D75-A6B8-E43036075AEF}" srcOrd="0" destOrd="0" presId="urn:microsoft.com/office/officeart/2005/8/layout/hChevron3"/>
     <dgm:cxn modelId="{E34FFA0F-ECAF-424D-ACE5-F2AAFBD5DA7D}" type="presParOf" srcId="{C50B149C-CF8E-4295-81A4-28CB3A779A22}" destId="{EA29D319-73A4-4C4F-9B6F-5A3FAA9E7350}" srcOrd="1" destOrd="0" presId="urn:microsoft.com/office/officeart/2005/8/layout/hChevron3"/>
     <dgm:cxn modelId="{4DAAF234-D2DF-4DB7-A8BB-6875221D0494}" type="presParOf" srcId="{C50B149C-CF8E-4295-81A4-28CB3A779A22}" destId="{5B7BAEE7-9BDE-4C08-A7FD-DC23867DD1ED}" srcOrd="2" destOrd="0" presId="urn:microsoft.com/office/officeart/2005/8/layout/hChevron3"/>
@@ -4527,14 +4527,14 @@
     </dgm:pt>
   </dgm:ptLst>
   <dgm:cxnLst>
+    <dgm:cxn modelId="{D0430A6F-CDDC-4D0F-A921-9CFEDEC19481}" srcId="{7C4CCB48-C0F2-47BD-897F-68F1F33A02A5}" destId="{6DC2D603-4A83-4B94-BACF-0E5CBC38F484}" srcOrd="0" destOrd="0" parTransId="{7DC0C4C0-E139-446C-A933-16747133B80E}" sibTransId="{D083FD0B-5C6E-473E-9DE1-3DF30FD442BC}"/>
+    <dgm:cxn modelId="{CA5E54A6-EF98-4309-892A-F7093D422770}" type="presOf" srcId="{7C4CCB48-C0F2-47BD-897F-68F1F33A02A5}" destId="{C50B149C-CF8E-4295-81A4-28CB3A779A22}" srcOrd="0" destOrd="0" presId="urn:microsoft.com/office/officeart/2005/8/layout/hChevron3"/>
     <dgm:cxn modelId="{B2875EFC-FA70-4449-9FD0-1CDC0EF672D9}" type="presOf" srcId="{41B744B3-C780-4250-B8D0-00640162DBC3}" destId="{97C0F61C-999C-49F1-9C9D-EFBE3C992983}" srcOrd="0" destOrd="0" presId="urn:microsoft.com/office/officeart/2005/8/layout/hChevron3"/>
-    <dgm:cxn modelId="{CA5E54A6-EF98-4309-892A-F7093D422770}" type="presOf" srcId="{7C4CCB48-C0F2-47BD-897F-68F1F33A02A5}" destId="{C50B149C-CF8E-4295-81A4-28CB3A779A22}" srcOrd="0" destOrd="0" presId="urn:microsoft.com/office/officeart/2005/8/layout/hChevron3"/>
+    <dgm:cxn modelId="{EE87F082-45FD-4E53-8770-B8834FADF02A}" srcId="{7C4CCB48-C0F2-47BD-897F-68F1F33A02A5}" destId="{9FA9866B-A3E7-4E80-AA77-731149C349AC}" srcOrd="2" destOrd="0" parTransId="{3E8DBB77-B88A-41CA-89FC-7B1EDA39C3B8}" sibTransId="{6E0B0990-2CFB-4C87-B15F-17BBBEFED9E0}"/>
+    <dgm:cxn modelId="{D483A8DA-0407-41D3-8196-7A3F9347EB03}" srcId="{7C4CCB48-C0F2-47BD-897F-68F1F33A02A5}" destId="{41B744B3-C780-4250-B8D0-00640162DBC3}" srcOrd="3" destOrd="0" parTransId="{8C934944-DCE4-44A4-8951-42536D8C25C9}" sibTransId="{94FD9536-7E43-4EB9-B0D1-91344A0E93B5}"/>
     <dgm:cxn modelId="{24D18191-1EDA-4DEB-B13F-A9BAF88AF22D}" type="presOf" srcId="{B79DC575-3C2D-48A8-9770-FB2CF303BE2E}" destId="{5B7BAEE7-9BDE-4C08-A7FD-DC23867DD1ED}" srcOrd="0" destOrd="0" presId="urn:microsoft.com/office/officeart/2005/8/layout/hChevron3"/>
-    <dgm:cxn modelId="{EE87F082-45FD-4E53-8770-B8834FADF02A}" srcId="{7C4CCB48-C0F2-47BD-897F-68F1F33A02A5}" destId="{9FA9866B-A3E7-4E80-AA77-731149C349AC}" srcOrd="2" destOrd="0" parTransId="{3E8DBB77-B88A-41CA-89FC-7B1EDA39C3B8}" sibTransId="{6E0B0990-2CFB-4C87-B15F-17BBBEFED9E0}"/>
+    <dgm:cxn modelId="{C2986E00-A77E-466F-B945-09163CA415AD}" type="presOf" srcId="{9FA9866B-A3E7-4E80-AA77-731149C349AC}" destId="{8F7B9323-272C-4866-AEC4-589EA987C9B0}" srcOrd="0" destOrd="0" presId="urn:microsoft.com/office/officeart/2005/8/layout/hChevron3"/>
     <dgm:cxn modelId="{0AAD73FB-77C1-4FEB-B509-12346F119841}" type="presOf" srcId="{6DC2D603-4A83-4B94-BACF-0E5CBC38F484}" destId="{7F426AB6-763A-4D75-A6B8-E43036075AEF}" srcOrd="0" destOrd="0" presId="urn:microsoft.com/office/officeart/2005/8/layout/hChevron3"/>
-    <dgm:cxn modelId="{D483A8DA-0407-41D3-8196-7A3F9347EB03}" srcId="{7C4CCB48-C0F2-47BD-897F-68F1F33A02A5}" destId="{41B744B3-C780-4250-B8D0-00640162DBC3}" srcOrd="3" destOrd="0" parTransId="{8C934944-DCE4-44A4-8951-42536D8C25C9}" sibTransId="{94FD9536-7E43-4EB9-B0D1-91344A0E93B5}"/>
-    <dgm:cxn modelId="{D0430A6F-CDDC-4D0F-A921-9CFEDEC19481}" srcId="{7C4CCB48-C0F2-47BD-897F-68F1F33A02A5}" destId="{6DC2D603-4A83-4B94-BACF-0E5CBC38F484}" srcOrd="0" destOrd="0" parTransId="{7DC0C4C0-E139-446C-A933-16747133B80E}" sibTransId="{D083FD0B-5C6E-473E-9DE1-3DF30FD442BC}"/>
-    <dgm:cxn modelId="{C2986E00-A77E-466F-B945-09163CA415AD}" type="presOf" srcId="{9FA9866B-A3E7-4E80-AA77-731149C349AC}" destId="{8F7B9323-272C-4866-AEC4-589EA987C9B0}" srcOrd="0" destOrd="0" presId="urn:microsoft.com/office/officeart/2005/8/layout/hChevron3"/>
     <dgm:cxn modelId="{6D52726D-A881-4045-9C7A-8CD726FC1243}" srcId="{7C4CCB48-C0F2-47BD-897F-68F1F33A02A5}" destId="{B79DC575-3C2D-48A8-9770-FB2CF303BE2E}" srcOrd="1" destOrd="0" parTransId="{5AE17298-F697-407E-8C23-73D86C7D4E12}" sibTransId="{93789498-63BA-410F-8A0D-D354DBB15372}"/>
     <dgm:cxn modelId="{50D80ABB-044A-44FC-BE32-C566828A97F5}" type="presParOf" srcId="{C50B149C-CF8E-4295-81A4-28CB3A779A22}" destId="{7F426AB6-763A-4D75-A6B8-E43036075AEF}" srcOrd="0" destOrd="0" presId="urn:microsoft.com/office/officeart/2005/8/layout/hChevron3"/>
     <dgm:cxn modelId="{911BF21F-620A-4BE2-A650-50ABC25B6C3A}" type="presParOf" srcId="{C50B149C-CF8E-4295-81A4-28CB3A779A22}" destId="{EA29D319-73A4-4C4F-9B6F-5A3FAA9E7350}" srcOrd="1" destOrd="0" presId="urn:microsoft.com/office/officeart/2005/8/layout/hChevron3"/>
@@ -12248,7 +12248,7 @@
           <a:p>
             <a:fld id="{7902857B-7028-454B-80BC-6A1CC95FEAB9}" type="slidenum">
               <a:rPr lang="fr-FR" smtClean="0"/>
-              <a:t>18</a:t>
+              <a:t>17</a:t>
             </a:fld>
             <a:endParaRPr lang="fr-FR" dirty="0"/>
           </a:p>
@@ -12268,6 +12268,104 @@
 </file>
 
 <file path=ppt/notesSlides/notesSlide11.xml><?xml version="1.0" encoding="utf-8"?>
+<p:notes xmlns:a="http://schemas.openxmlformats.org/drawingml/2006/main" xmlns:r="http://schemas.openxmlformats.org/officeDocument/2006/relationships" xmlns:p="http://schemas.openxmlformats.org/presentationml/2006/main">
+  <p:cSld>
+    <p:spTree>
+      <p:nvGrpSpPr>
+        <p:cNvPr id="1" name=""/>
+        <p:cNvGrpSpPr/>
+        <p:nvPr/>
+      </p:nvGrpSpPr>
+      <p:grpSpPr>
+        <a:xfrm>
+          <a:off x="0" y="0"/>
+          <a:ext cx="0" cy="0"/>
+          <a:chOff x="0" y="0"/>
+          <a:chExt cx="0" cy="0"/>
+        </a:xfrm>
+      </p:grpSpPr>
+      <p:sp>
+        <p:nvSpPr>
+          <p:cNvPr id="2" name="Espace réservé de l'image des diapositives 1"/>
+          <p:cNvSpPr>
+            <a:spLocks noGrp="1" noRot="1" noChangeAspect="1"/>
+          </p:cNvSpPr>
+          <p:nvPr>
+            <p:ph type="sldImg"/>
+          </p:nvPr>
+        </p:nvSpPr>
+        <p:spPr/>
+      </p:sp>
+      <p:sp>
+        <p:nvSpPr>
+          <p:cNvPr id="3" name="Espace réservé des commentaires 2"/>
+          <p:cNvSpPr>
+            <a:spLocks noGrp="1"/>
+          </p:cNvSpPr>
+          <p:nvPr>
+            <p:ph type="body" idx="1"/>
+          </p:nvPr>
+        </p:nvSpPr>
+        <p:spPr/>
+        <p:txBody>
+          <a:bodyPr/>
+          <a:lstStyle/>
+          <a:p>
+            <a:r>
+              <a:rPr lang="fr-FR" dirty="0" smtClean="0"/>
+              <a:t>Permettre</a:t>
+            </a:r>
+            <a:r>
+              <a:rPr lang="fr-FR" baseline="0" dirty="0" smtClean="0"/>
+              <a:t> de changer de pseudo</a:t>
+            </a:r>
+          </a:p>
+          <a:p>
+            <a:r>
+              <a:rPr lang="fr-FR" baseline="0" dirty="0" smtClean="0"/>
+              <a:t>On a fait des tests, ça marche, mais avec un regard neuf on pourrait optimiser le code</a:t>
+            </a:r>
+            <a:endParaRPr lang="fr-FR" dirty="0"/>
+          </a:p>
+        </p:txBody>
+      </p:sp>
+      <p:sp>
+        <p:nvSpPr>
+          <p:cNvPr id="4" name="Espace réservé du numéro de diapositive 3"/>
+          <p:cNvSpPr>
+            <a:spLocks noGrp="1"/>
+          </p:cNvSpPr>
+          <p:nvPr>
+            <p:ph type="sldNum" sz="quarter" idx="10"/>
+          </p:nvPr>
+        </p:nvSpPr>
+        <p:spPr/>
+        <p:txBody>
+          <a:bodyPr/>
+          <a:lstStyle/>
+          <a:p>
+            <a:fld id="{7902857B-7028-454B-80BC-6A1CC95FEAB9}" type="slidenum">
+              <a:rPr lang="fr-FR" smtClean="0"/>
+              <a:t>22</a:t>
+            </a:fld>
+            <a:endParaRPr lang="fr-FR" dirty="0"/>
+          </a:p>
+        </p:txBody>
+      </p:sp>
+    </p:spTree>
+    <p:extLst>
+      <p:ext uri="{BB962C8B-B14F-4D97-AF65-F5344CB8AC3E}">
+        <p14:creationId xmlns:p14="http://schemas.microsoft.com/office/powerpoint/2010/main" val="1556700505"/>
+      </p:ext>
+    </p:extLst>
+  </p:cSld>
+  <p:clrMapOvr>
+    <a:masterClrMapping/>
+  </p:clrMapOvr>
+</p:notes>
+</file>
+
+<file path=ppt/notesSlides/notesSlide12.xml><?xml version="1.0" encoding="utf-8"?>
 <p:notes xmlns:a="http://schemas.openxmlformats.org/drawingml/2006/main" xmlns:r="http://schemas.openxmlformats.org/officeDocument/2006/relationships" xmlns:p="http://schemas.openxmlformats.org/presentationml/2006/main">
   <p:cSld>
     <p:spTree>
@@ -13058,7 +13156,7 @@
           <a:p>
             <a:fld id="{7902857B-7028-454B-80BC-6A1CC95FEAB9}" type="slidenum">
               <a:rPr lang="fr-FR" smtClean="0"/>
-              <a:t>14</a:t>
+              <a:t>13</a:t>
             </a:fld>
             <a:endParaRPr lang="fr-FR" dirty="0"/>
           </a:p>
@@ -13142,7 +13240,7 @@
           <a:p>
             <a:fld id="{7902857B-7028-454B-80BC-6A1CC95FEAB9}" type="slidenum">
               <a:rPr lang="fr-FR" smtClean="0"/>
-              <a:t>15</a:t>
+              <a:t>14</a:t>
             </a:fld>
             <a:endParaRPr lang="fr-FR" dirty="0"/>
           </a:p>
@@ -13226,7 +13324,7 @@
           <a:p>
             <a:fld id="{7902857B-7028-454B-80BC-6A1CC95FEAB9}" type="slidenum">
               <a:rPr lang="fr-FR" smtClean="0"/>
-              <a:t>17</a:t>
+              <a:t>16</a:t>
             </a:fld>
             <a:endParaRPr lang="fr-FR" dirty="0"/>
           </a:p>
@@ -16929,133 +17027,6 @@
           <a:chExt cx="0" cy="0"/>
         </a:xfrm>
       </p:grpSpPr>
-      <p:sp>
-        <p:nvSpPr>
-          <p:cNvPr id="2" name="Titre 1"/>
-          <p:cNvSpPr>
-            <a:spLocks noGrp="1"/>
-          </p:cNvSpPr>
-          <p:nvPr>
-            <p:ph type="title"/>
-          </p:nvPr>
-        </p:nvSpPr>
-        <p:spPr/>
-        <p:txBody>
-          <a:bodyPr/>
-          <a:lstStyle/>
-          <a:p>
-            <a:r>
-              <a:rPr lang="fr-FR" dirty="0" smtClean="0"/>
-              <a:t>Améliorations du moteur de jeu</a:t>
-            </a:r>
-            <a:endParaRPr lang="fr-FR" dirty="0"/>
-          </a:p>
-        </p:txBody>
-      </p:sp>
-      <p:sp>
-        <p:nvSpPr>
-          <p:cNvPr id="3" name="Espace réservé du texte 2"/>
-          <p:cNvSpPr>
-            <a:spLocks noGrp="1"/>
-          </p:cNvSpPr>
-          <p:nvPr>
-            <p:ph type="body" sz="quarter" idx="10"/>
-          </p:nvPr>
-        </p:nvSpPr>
-        <p:spPr/>
-        <p:txBody>
-          <a:bodyPr/>
-          <a:lstStyle/>
-          <a:p>
-            <a:r>
-              <a:rPr lang="fr-FR" dirty="0" smtClean="0"/>
-              <a:t>IA</a:t>
-            </a:r>
-          </a:p>
-          <a:p>
-            <a:pPr lvl="1"/>
-            <a:r>
-              <a:rPr lang="fr-FR" dirty="0" smtClean="0"/>
-              <a:t>Ajouter l’analyse des combats et des tenailles</a:t>
-            </a:r>
-          </a:p>
-          <a:p>
-            <a:pPr lvl="1"/>
-            <a:r>
-              <a:rPr lang="fr-FR" dirty="0" smtClean="0"/>
-              <a:t>Analyser les couples pions --&gt; arrivée</a:t>
-            </a:r>
-          </a:p>
-          <a:p>
-            <a:pPr lvl="1"/>
-            <a:r>
-              <a:rPr lang="fr-FR" dirty="0" smtClean="0"/>
-              <a:t>Peaufiner les diverses fonctions et les poids</a:t>
-            </a:r>
-          </a:p>
-          <a:p>
-            <a:r>
-              <a:rPr lang="fr-FR" dirty="0" smtClean="0"/>
-              <a:t>Règles</a:t>
-            </a:r>
-          </a:p>
-          <a:p>
-            <a:pPr lvl="1"/>
-            <a:r>
-              <a:rPr lang="fr-FR" dirty="0" smtClean="0"/>
-              <a:t>Ajouter les actions relatives aux cartes</a:t>
-            </a:r>
-          </a:p>
-          <a:p>
-            <a:pPr lvl="1"/>
-            <a:r>
-              <a:rPr lang="fr-FR" dirty="0" smtClean="0"/>
-              <a:t>Ajouter les règles au cavalier et au volcan</a:t>
-            </a:r>
-            <a:endParaRPr lang="fr-FR" dirty="0"/>
-          </a:p>
-        </p:txBody>
-      </p:sp>
-    </p:spTree>
-    <p:extLst>
-      <p:ext uri="{BB962C8B-B14F-4D97-AF65-F5344CB8AC3E}">
-        <p14:creationId xmlns:p14="http://schemas.microsoft.com/office/powerpoint/2010/main" val="2394197056"/>
-      </p:ext>
-    </p:extLst>
-  </p:cSld>
-  <p:clrMapOvr>
-    <a:masterClrMapping/>
-  </p:clrMapOvr>
-  <p:transition spd="slow">
-    <p:push dir="r"/>
-  </p:transition>
-  <p:timing>
-    <p:tnLst>
-      <p:par>
-        <p:cTn id="1" dur="indefinite" restart="never" nodeType="tmRoot"/>
-      </p:par>
-    </p:tnLst>
-  </p:timing>
-</p:sld>
-</file>
-
-<file path=ppt/slides/slide13.xml><?xml version="1.0" encoding="utf-8"?>
-<p:sld xmlns:a="http://schemas.openxmlformats.org/drawingml/2006/main" xmlns:r="http://schemas.openxmlformats.org/officeDocument/2006/relationships" xmlns:p="http://schemas.openxmlformats.org/presentationml/2006/main">
-  <p:cSld>
-    <p:spTree>
-      <p:nvGrpSpPr>
-        <p:cNvPr id="1" name=""/>
-        <p:cNvGrpSpPr/>
-        <p:nvPr/>
-      </p:nvGrpSpPr>
-      <p:grpSpPr>
-        <a:xfrm>
-          <a:off x="0" y="0"/>
-          <a:ext cx="0" cy="0"/>
-          <a:chOff x="0" y="0"/>
-          <a:chExt cx="0" cy="0"/>
-        </a:xfrm>
-      </p:grpSpPr>
       <p:grpSp>
         <p:nvGrpSpPr>
           <p:cNvPr id="19" name="Groupe 18"/>
@@ -17997,7 +17968,7 @@
 </p:sld>
 </file>
 
-<file path=ppt/slides/slide14.xml><?xml version="1.0" encoding="utf-8"?>
+<file path=ppt/slides/slide13.xml><?xml version="1.0" encoding="utf-8"?>
 <p:sld xmlns:a="http://schemas.openxmlformats.org/drawingml/2006/main" xmlns:r="http://schemas.openxmlformats.org/officeDocument/2006/relationships" xmlns:p="http://schemas.openxmlformats.org/presentationml/2006/main">
   <p:cSld>
     <p:spTree>
@@ -18589,7 +18560,7 @@
 </p:sld>
 </file>
 
-<file path=ppt/slides/slide15.xml><?xml version="1.0" encoding="utf-8"?>
+<file path=ppt/slides/slide14.xml><?xml version="1.0" encoding="utf-8"?>
 <p:sld xmlns:a="http://schemas.openxmlformats.org/drawingml/2006/main" xmlns:r="http://schemas.openxmlformats.org/officeDocument/2006/relationships" xmlns:p="http://schemas.openxmlformats.org/presentationml/2006/main">
   <p:cSld>
     <p:spTree>
@@ -19019,7 +18990,7 @@
 </p:sld>
 </file>
 
-<file path=ppt/slides/slide16.xml><?xml version="1.0" encoding="utf-8"?>
+<file path=ppt/slides/slide15.xml><?xml version="1.0" encoding="utf-8"?>
 <p:sld xmlns:a="http://schemas.openxmlformats.org/drawingml/2006/main" xmlns:r="http://schemas.openxmlformats.org/officeDocument/2006/relationships" xmlns:p="http://schemas.openxmlformats.org/presentationml/2006/main">
   <p:cSld>
     <p:spTree>
@@ -19178,7 +19149,7 @@
 </p:sld>
 </file>
 
-<file path=ppt/slides/slide17.xml><?xml version="1.0" encoding="utf-8"?>
+<file path=ppt/slides/slide16.xml><?xml version="1.0" encoding="utf-8"?>
 <p:sld xmlns:a="http://schemas.openxmlformats.org/drawingml/2006/main" xmlns:r="http://schemas.openxmlformats.org/officeDocument/2006/relationships" xmlns:p="http://schemas.openxmlformats.org/presentationml/2006/main">
   <p:cSld>
     <p:spTree>
@@ -19317,7 +19288,7 @@
 </p:sld>
 </file>
 
-<file path=ppt/slides/slide18.xml><?xml version="1.0" encoding="utf-8"?>
+<file path=ppt/slides/slide17.xml><?xml version="1.0" encoding="utf-8"?>
 <p:sld xmlns:a="http://schemas.openxmlformats.org/drawingml/2006/main" xmlns:r="http://schemas.openxmlformats.org/officeDocument/2006/relationships" xmlns:p="http://schemas.openxmlformats.org/presentationml/2006/main">
   <p:cSld>
     <p:spTree>
@@ -19543,9 +19514,6 @@
                         </a:rPr>
                         <a:t>Pouvoir visualiser la configuration de la partie qu’on a rejoint</a:t>
                       </a:r>
-                      <a:endParaRPr lang="fr-FR" baseline="0" dirty="0" smtClean="0">
-                        <a:latin typeface="Ubuntu" pitchFamily="34" charset="0"/>
-                      </a:endParaRPr>
                     </a:p>
                   </a:txBody>
                   <a:tcPr/>
@@ -19578,7 +19546,7 @@
 </p:sld>
 </file>
 
-<file path=ppt/slides/slide19.xml><?xml version="1.0" encoding="utf-8"?>
+<file path=ppt/slides/slide18.xml><?xml version="1.0" encoding="utf-8"?>
 <p:sld xmlns:a="http://schemas.openxmlformats.org/drawingml/2006/main" xmlns:r="http://schemas.openxmlformats.org/officeDocument/2006/relationships" xmlns:p="http://schemas.openxmlformats.org/presentationml/2006/main">
   <p:cSld>
     <p:spTree>
@@ -19612,11 +19580,7 @@
           <a:p>
             <a:r>
               <a:rPr lang="fr-FR" dirty="0" smtClean="0"/>
-              <a:t>Client </a:t>
-            </a:r>
-            <a:r>
-              <a:rPr lang="fr-FR" dirty="0" smtClean="0"/>
-              <a:t>Java</a:t>
+              <a:t>Client Java</a:t>
             </a:r>
             <a:endParaRPr lang="fr-FR" dirty="0"/>
           </a:p>
@@ -19723,6 +19687,310 @@
       </p:par>
     </p:tnLst>
   </p:timing>
+</p:sld>
+</file>
+
+<file path=ppt/slides/slide19.xml><?xml version="1.0" encoding="utf-8"?>
+<p:sld xmlns:a="http://schemas.openxmlformats.org/drawingml/2006/main" xmlns:r="http://schemas.openxmlformats.org/officeDocument/2006/relationships" xmlns:p="http://schemas.openxmlformats.org/presentationml/2006/main">
+  <p:cSld>
+    <p:spTree>
+      <p:nvGrpSpPr>
+        <p:cNvPr id="1" name=""/>
+        <p:cNvGrpSpPr/>
+        <p:nvPr/>
+      </p:nvGrpSpPr>
+      <p:grpSpPr>
+        <a:xfrm>
+          <a:off x="0" y="0"/>
+          <a:ext cx="0" cy="0"/>
+          <a:chOff x="0" y="0"/>
+          <a:chExt cx="0" cy="0"/>
+        </a:xfrm>
+      </p:grpSpPr>
+      <p:sp>
+        <p:nvSpPr>
+          <p:cNvPr id="2" name="Titre 1"/>
+          <p:cNvSpPr>
+            <a:spLocks noGrp="1"/>
+          </p:cNvSpPr>
+          <p:nvPr>
+            <p:ph type="title"/>
+          </p:nvPr>
+        </p:nvSpPr>
+        <p:spPr/>
+        <p:txBody>
+          <a:bodyPr/>
+          <a:lstStyle/>
+          <a:p>
+            <a:r>
+              <a:rPr lang="fr-FR" dirty="0" smtClean="0"/>
+              <a:t>Objectifs validés</a:t>
+            </a:r>
+            <a:endParaRPr lang="fr-FR" dirty="0"/>
+          </a:p>
+        </p:txBody>
+      </p:sp>
+      <p:graphicFrame>
+        <p:nvGraphicFramePr>
+          <p:cNvPr id="4" name="Tableau 3"/>
+          <p:cNvGraphicFramePr>
+            <a:graphicFrameLocks noGrp="1"/>
+          </p:cNvGraphicFramePr>
+          <p:nvPr>
+            <p:extLst>
+              <p:ext uri="{D42A27DB-BD31-4B8C-83A1-F6EECF244321}">
+                <p14:modId xmlns:p14="http://schemas.microsoft.com/office/powerpoint/2010/main" val="4089037236"/>
+              </p:ext>
+            </p:extLst>
+          </p:nvPr>
+        </p:nvGraphicFramePr>
+        <p:xfrm>
+          <a:off x="251520" y="1844822"/>
+          <a:ext cx="8640960" cy="4176465"/>
+        </p:xfrm>
+        <a:graphic>
+          <a:graphicData uri="http://schemas.openxmlformats.org/drawingml/2006/table">
+            <a:tbl>
+              <a:tblPr firstRow="1" bandRow="1">
+                <a:tableStyleId>{93296810-A885-4BE3-A3E7-6D5BEEA58F35}</a:tableStyleId>
+              </a:tblPr>
+              <a:tblGrid>
+                <a:gridCol w="2088232"/>
+                <a:gridCol w="3276364"/>
+                <a:gridCol w="3276364"/>
+              </a:tblGrid>
+              <a:tr h="433349">
+                <a:tc>
+                  <a:txBody>
+                    <a:bodyPr/>
+                    <a:lstStyle/>
+                    <a:p>
+                      <a:r>
+                        <a:rPr lang="fr-FR" dirty="0" smtClean="0">
+                          <a:latin typeface="Ubuntu" pitchFamily="34" charset="0"/>
+                        </a:rPr>
+                        <a:t>Catégorie</a:t>
+                      </a:r>
+                      <a:endParaRPr lang="fr-FR" dirty="0">
+                        <a:latin typeface="Ubuntu" pitchFamily="34" charset="0"/>
+                      </a:endParaRPr>
+                    </a:p>
+                  </a:txBody>
+                  <a:tcPr/>
+                </a:tc>
+                <a:tc>
+                  <a:txBody>
+                    <a:bodyPr/>
+                    <a:lstStyle/>
+                    <a:p>
+                      <a:r>
+                        <a:rPr lang="fr-FR" dirty="0" smtClean="0">
+                          <a:latin typeface="Ubuntu" pitchFamily="34" charset="0"/>
+                        </a:rPr>
+                        <a:t>Description</a:t>
+                      </a:r>
+                      <a:endParaRPr lang="fr-FR" dirty="0">
+                        <a:latin typeface="Ubuntu" pitchFamily="34" charset="0"/>
+                      </a:endParaRPr>
+                    </a:p>
+                  </a:txBody>
+                  <a:tcPr/>
+                </a:tc>
+                <a:tc>
+                  <a:txBody>
+                    <a:bodyPr/>
+                    <a:lstStyle/>
+                    <a:p>
+                      <a:r>
+                        <a:rPr lang="fr-FR" dirty="0" smtClean="0">
+                          <a:latin typeface="Ubuntu" pitchFamily="34" charset="0"/>
+                        </a:rPr>
+                        <a:t>Validation</a:t>
+                      </a:r>
+                      <a:endParaRPr lang="fr-FR" dirty="0">
+                        <a:latin typeface="Ubuntu" pitchFamily="34" charset="0"/>
+                      </a:endParaRPr>
+                    </a:p>
+                  </a:txBody>
+                  <a:tcPr/>
+                </a:tc>
+              </a:tr>
+              <a:tr h="1467445">
+                <a:tc>
+                  <a:txBody>
+                    <a:bodyPr/>
+                    <a:lstStyle/>
+                    <a:p>
+                      <a:r>
+                        <a:rPr lang="fr-FR" dirty="0" smtClean="0">
+                          <a:latin typeface="Ubuntu" pitchFamily="34" charset="0"/>
+                        </a:rPr>
+                        <a:t>Client Android</a:t>
+                      </a:r>
+                      <a:endParaRPr lang="fr-FR" dirty="0">
+                        <a:latin typeface="Ubuntu" pitchFamily="34" charset="0"/>
+                      </a:endParaRPr>
+                    </a:p>
+                  </a:txBody>
+                  <a:tcPr/>
+                </a:tc>
+                <a:tc>
+                  <a:txBody>
+                    <a:bodyPr/>
+                    <a:lstStyle/>
+                    <a:p>
+                      <a:r>
+                        <a:rPr lang="fr-FR" dirty="0" smtClean="0">
+                          <a:latin typeface="Ubuntu" pitchFamily="34" charset="0"/>
+                        </a:rPr>
+                        <a:t>Création et configuration de partie</a:t>
+                      </a:r>
+                      <a:endParaRPr lang="fr-FR" dirty="0">
+                        <a:latin typeface="Ubuntu" pitchFamily="34" charset="0"/>
+                      </a:endParaRPr>
+                    </a:p>
+                  </a:txBody>
+                  <a:tcPr/>
+                </a:tc>
+                <a:tc>
+                  <a:txBody>
+                    <a:bodyPr/>
+                    <a:lstStyle/>
+                    <a:p>
+                      <a:r>
+                        <a:rPr lang="fr-FR" baseline="0" dirty="0" smtClean="0">
+                          <a:latin typeface="Ubuntu" pitchFamily="34" charset="0"/>
+                        </a:rPr>
+                        <a:t>Pouvoir créer et configurer une partie avec des équipes, des joueurs, des robots et des légions</a:t>
+                      </a:r>
+                    </a:p>
+                  </a:txBody>
+                  <a:tcPr/>
+                </a:tc>
+              </a:tr>
+              <a:tr h="1083372">
+                <a:tc>
+                  <a:txBody>
+                    <a:bodyPr/>
+                    <a:lstStyle/>
+                    <a:p>
+                      <a:r>
+                        <a:rPr lang="fr-FR" dirty="0" smtClean="0">
+                          <a:latin typeface="Ubuntu" pitchFamily="34" charset="0"/>
+                        </a:rPr>
+                        <a:t>Client Android</a:t>
+                      </a:r>
+                      <a:endParaRPr lang="fr-FR" dirty="0">
+                        <a:latin typeface="Ubuntu" pitchFamily="34" charset="0"/>
+                      </a:endParaRPr>
+                    </a:p>
+                  </a:txBody>
+                  <a:tcPr/>
+                </a:tc>
+                <a:tc>
+                  <a:txBody>
+                    <a:bodyPr/>
+                    <a:lstStyle/>
+                    <a:p>
+                      <a:r>
+                        <a:rPr lang="fr-FR" dirty="0" smtClean="0">
+                          <a:latin typeface="Ubuntu" pitchFamily="34" charset="0"/>
+                        </a:rPr>
+                        <a:t>Rejoindre une partie</a:t>
+                      </a:r>
+                      <a:endParaRPr lang="fr-FR" dirty="0">
+                        <a:latin typeface="Ubuntu" pitchFamily="34" charset="0"/>
+                      </a:endParaRPr>
+                    </a:p>
+                  </a:txBody>
+                  <a:tcPr/>
+                </a:tc>
+                <a:tc>
+                  <a:txBody>
+                    <a:bodyPr/>
+                    <a:lstStyle/>
+                    <a:p>
+                      <a:r>
+                        <a:rPr lang="fr-FR" baseline="0" dirty="0" smtClean="0">
+                          <a:latin typeface="Ubuntu" pitchFamily="34" charset="0"/>
+                        </a:rPr>
+                        <a:t>Pouvoir visualiser la configuration de la partie qu’on a rejoint</a:t>
+                      </a:r>
+                    </a:p>
+                  </a:txBody>
+                  <a:tcPr/>
+                </a:tc>
+              </a:tr>
+              <a:tr h="1192299">
+                <a:tc>
+                  <a:txBody>
+                    <a:bodyPr/>
+                    <a:lstStyle/>
+                    <a:p>
+                      <a:r>
+                        <a:rPr lang="fr-FR" dirty="0" smtClean="0">
+                          <a:latin typeface="Ubuntu" pitchFamily="34" charset="0"/>
+                        </a:rPr>
+                        <a:t>Client Android</a:t>
+                      </a:r>
+                      <a:endParaRPr lang="fr-FR" dirty="0">
+                        <a:latin typeface="Ubuntu" pitchFamily="34" charset="0"/>
+                      </a:endParaRPr>
+                    </a:p>
+                  </a:txBody>
+                  <a:tcPr/>
+                </a:tc>
+                <a:tc>
+                  <a:txBody>
+                    <a:bodyPr/>
+                    <a:lstStyle/>
+                    <a:p>
+                      <a:r>
+                        <a:rPr lang="fr-FR" dirty="0" smtClean="0">
+                          <a:latin typeface="Ubuntu" pitchFamily="34" charset="0"/>
+                        </a:rPr>
+                        <a:t>Jouer</a:t>
+                      </a:r>
+                      <a:endParaRPr lang="fr-FR" dirty="0">
+                        <a:latin typeface="Ubuntu" pitchFamily="34" charset="0"/>
+                      </a:endParaRPr>
+                    </a:p>
+                  </a:txBody>
+                  <a:tcPr/>
+                </a:tc>
+                <a:tc>
+                  <a:txBody>
+                    <a:bodyPr/>
+                    <a:lstStyle/>
+                    <a:p>
+                      <a:r>
+                        <a:rPr lang="fr-FR" baseline="0" dirty="0" smtClean="0">
+                          <a:latin typeface="Ubuntu" pitchFamily="34" charset="0"/>
+                        </a:rPr>
+                        <a:t>Pouvoir déplacer les pions et le laurier, voir les animations à chaque fin de tour</a:t>
+                      </a:r>
+                    </a:p>
+                  </a:txBody>
+                  <a:tcPr/>
+                </a:tc>
+              </a:tr>
+            </a:tbl>
+          </a:graphicData>
+        </a:graphic>
+      </p:graphicFrame>
+    </p:spTree>
+    <p:extLst>
+      <p:ext uri="{BB962C8B-B14F-4D97-AF65-F5344CB8AC3E}">
+        <p14:creationId xmlns:p14="http://schemas.microsoft.com/office/powerpoint/2010/main" val="2710707617"/>
+      </p:ext>
+    </p:extLst>
+  </p:cSld>
+  <p:clrMapOvr>
+    <a:masterClrMapping/>
+  </p:clrMapOvr>
+  <p:transition spd="slow">
+    <p:push dir="r"/>
+  </p:transition>
 </p:sld>
 </file>
 
@@ -20196,319 +20464,6 @@
           <a:p>
             <a:r>
               <a:rPr lang="fr-FR" dirty="0" smtClean="0"/>
-              <a:t>Objectifs validés</a:t>
-            </a:r>
-            <a:endParaRPr lang="fr-FR" dirty="0"/>
-          </a:p>
-        </p:txBody>
-      </p:sp>
-      <p:graphicFrame>
-        <p:nvGraphicFramePr>
-          <p:cNvPr id="4" name="Tableau 3"/>
-          <p:cNvGraphicFramePr>
-            <a:graphicFrameLocks noGrp="1"/>
-          </p:cNvGraphicFramePr>
-          <p:nvPr>
-            <p:extLst>
-              <p:ext uri="{D42A27DB-BD31-4B8C-83A1-F6EECF244321}">
-                <p14:modId xmlns:p14="http://schemas.microsoft.com/office/powerpoint/2010/main" val="85957276"/>
-              </p:ext>
-            </p:extLst>
-          </p:nvPr>
-        </p:nvGraphicFramePr>
-        <p:xfrm>
-          <a:off x="251520" y="1844822"/>
-          <a:ext cx="8640960" cy="4176465"/>
-        </p:xfrm>
-        <a:graphic>
-          <a:graphicData uri="http://schemas.openxmlformats.org/drawingml/2006/table">
-            <a:tbl>
-              <a:tblPr firstRow="1" bandRow="1">
-                <a:tableStyleId>{93296810-A885-4BE3-A3E7-6D5BEEA58F35}</a:tableStyleId>
-              </a:tblPr>
-              <a:tblGrid>
-                <a:gridCol w="2880320"/>
-                <a:gridCol w="2880320"/>
-                <a:gridCol w="2880320"/>
-              </a:tblGrid>
-              <a:tr h="433349">
-                <a:tc>
-                  <a:txBody>
-                    <a:bodyPr/>
-                    <a:lstStyle/>
-                    <a:p>
-                      <a:r>
-                        <a:rPr lang="fr-FR" dirty="0" smtClean="0">
-                          <a:latin typeface="Ubuntu" pitchFamily="34" charset="0"/>
-                        </a:rPr>
-                        <a:t>Catégorie</a:t>
-                      </a:r>
-                      <a:endParaRPr lang="fr-FR" dirty="0">
-                        <a:latin typeface="Ubuntu" pitchFamily="34" charset="0"/>
-                      </a:endParaRPr>
-                    </a:p>
-                  </a:txBody>
-                  <a:tcPr/>
-                </a:tc>
-                <a:tc>
-                  <a:txBody>
-                    <a:bodyPr/>
-                    <a:lstStyle/>
-                    <a:p>
-                      <a:r>
-                        <a:rPr lang="fr-FR" dirty="0" smtClean="0">
-                          <a:latin typeface="Ubuntu" pitchFamily="34" charset="0"/>
-                        </a:rPr>
-                        <a:t>Description</a:t>
-                      </a:r>
-                      <a:endParaRPr lang="fr-FR" dirty="0">
-                        <a:latin typeface="Ubuntu" pitchFamily="34" charset="0"/>
-                      </a:endParaRPr>
-                    </a:p>
-                  </a:txBody>
-                  <a:tcPr/>
-                </a:tc>
-                <a:tc>
-                  <a:txBody>
-                    <a:bodyPr/>
-                    <a:lstStyle/>
-                    <a:p>
-                      <a:r>
-                        <a:rPr lang="fr-FR" dirty="0" smtClean="0">
-                          <a:latin typeface="Ubuntu" pitchFamily="34" charset="0"/>
-                        </a:rPr>
-                        <a:t>Validation</a:t>
-                      </a:r>
-                      <a:endParaRPr lang="fr-FR" dirty="0">
-                        <a:latin typeface="Ubuntu" pitchFamily="34" charset="0"/>
-                      </a:endParaRPr>
-                    </a:p>
-                  </a:txBody>
-                  <a:tcPr/>
-                </a:tc>
-              </a:tr>
-              <a:tr h="1467445">
-                <a:tc>
-                  <a:txBody>
-                    <a:bodyPr/>
-                    <a:lstStyle/>
-                    <a:p>
-                      <a:r>
-                        <a:rPr lang="fr-FR" dirty="0" smtClean="0">
-                          <a:latin typeface="Ubuntu" pitchFamily="34" charset="0"/>
-                        </a:rPr>
-                        <a:t>Client Android</a:t>
-                      </a:r>
-                      <a:endParaRPr lang="fr-FR" dirty="0">
-                        <a:latin typeface="Ubuntu" pitchFamily="34" charset="0"/>
-                      </a:endParaRPr>
-                    </a:p>
-                  </a:txBody>
-                  <a:tcPr/>
-                </a:tc>
-                <a:tc>
-                  <a:txBody>
-                    <a:bodyPr/>
-                    <a:lstStyle/>
-                    <a:p>
-                      <a:r>
-                        <a:rPr lang="fr-FR" dirty="0" smtClean="0">
-                          <a:latin typeface="Ubuntu" pitchFamily="34" charset="0"/>
-                        </a:rPr>
-                        <a:t>Création et configuration de partie</a:t>
-                      </a:r>
-                      <a:endParaRPr lang="fr-FR" dirty="0">
-                        <a:latin typeface="Ubuntu" pitchFamily="34" charset="0"/>
-                      </a:endParaRPr>
-                    </a:p>
-                  </a:txBody>
-                  <a:tcPr/>
-                </a:tc>
-                <a:tc>
-                  <a:txBody>
-                    <a:bodyPr/>
-                    <a:lstStyle/>
-                    <a:p>
-                      <a:r>
-                        <a:rPr lang="fr-FR" baseline="0" dirty="0" smtClean="0">
-                          <a:latin typeface="Ubuntu" pitchFamily="34" charset="0"/>
-                        </a:rPr>
-                        <a:t>Pouvoir créer et configurer une partie avec des équipes, des joueurs, des robots et des légions</a:t>
-                      </a:r>
-                      <a:endParaRPr lang="fr-FR" baseline="0" dirty="0" smtClean="0">
-                        <a:latin typeface="Ubuntu" pitchFamily="34" charset="0"/>
-                      </a:endParaRPr>
-                    </a:p>
-                  </a:txBody>
-                  <a:tcPr/>
-                </a:tc>
-              </a:tr>
-              <a:tr h="1083372">
-                <a:tc>
-                  <a:txBody>
-                    <a:bodyPr/>
-                    <a:lstStyle/>
-                    <a:p>
-                      <a:r>
-                        <a:rPr lang="fr-FR" dirty="0" smtClean="0">
-                          <a:latin typeface="Ubuntu" pitchFamily="34" charset="0"/>
-                        </a:rPr>
-                        <a:t>Client Android</a:t>
-                      </a:r>
-                      <a:endParaRPr lang="fr-FR" dirty="0">
-                        <a:latin typeface="Ubuntu" pitchFamily="34" charset="0"/>
-                      </a:endParaRPr>
-                    </a:p>
-                  </a:txBody>
-                  <a:tcPr/>
-                </a:tc>
-                <a:tc>
-                  <a:txBody>
-                    <a:bodyPr/>
-                    <a:lstStyle/>
-                    <a:p>
-                      <a:r>
-                        <a:rPr lang="fr-FR" dirty="0" smtClean="0">
-                          <a:latin typeface="Ubuntu" pitchFamily="34" charset="0"/>
-                        </a:rPr>
-                        <a:t>Rejoindre une partie</a:t>
-                      </a:r>
-                      <a:endParaRPr lang="fr-FR" dirty="0">
-                        <a:latin typeface="Ubuntu" pitchFamily="34" charset="0"/>
-                      </a:endParaRPr>
-                    </a:p>
-                  </a:txBody>
-                  <a:tcPr/>
-                </a:tc>
-                <a:tc>
-                  <a:txBody>
-                    <a:bodyPr/>
-                    <a:lstStyle/>
-                    <a:p>
-                      <a:r>
-                        <a:rPr lang="fr-FR" baseline="0" dirty="0" smtClean="0">
-                          <a:latin typeface="Ubuntu" pitchFamily="34" charset="0"/>
-                        </a:rPr>
-                        <a:t>Pouvoir visualiser la configuration de la partie qu’on a rejoint</a:t>
-                      </a:r>
-                      <a:endParaRPr lang="fr-FR" baseline="0" dirty="0" smtClean="0">
-                        <a:latin typeface="Ubuntu" pitchFamily="34" charset="0"/>
-                      </a:endParaRPr>
-                    </a:p>
-                  </a:txBody>
-                  <a:tcPr/>
-                </a:tc>
-              </a:tr>
-              <a:tr h="1192299">
-                <a:tc>
-                  <a:txBody>
-                    <a:bodyPr/>
-                    <a:lstStyle/>
-                    <a:p>
-                      <a:r>
-                        <a:rPr lang="fr-FR" dirty="0" smtClean="0">
-                          <a:latin typeface="Ubuntu" pitchFamily="34" charset="0"/>
-                        </a:rPr>
-                        <a:t>Client Android</a:t>
-                      </a:r>
-                      <a:endParaRPr lang="fr-FR" dirty="0">
-                        <a:latin typeface="Ubuntu" pitchFamily="34" charset="0"/>
-                      </a:endParaRPr>
-                    </a:p>
-                  </a:txBody>
-                  <a:tcPr/>
-                </a:tc>
-                <a:tc>
-                  <a:txBody>
-                    <a:bodyPr/>
-                    <a:lstStyle/>
-                    <a:p>
-                      <a:r>
-                        <a:rPr lang="fr-FR" dirty="0" smtClean="0">
-                          <a:latin typeface="Ubuntu" pitchFamily="34" charset="0"/>
-                        </a:rPr>
-                        <a:t>Jouer</a:t>
-                      </a:r>
-                      <a:endParaRPr lang="fr-FR" dirty="0">
-                        <a:latin typeface="Ubuntu" pitchFamily="34" charset="0"/>
-                      </a:endParaRPr>
-                    </a:p>
-                  </a:txBody>
-                  <a:tcPr/>
-                </a:tc>
-                <a:tc>
-                  <a:txBody>
-                    <a:bodyPr/>
-                    <a:lstStyle/>
-                    <a:p>
-                      <a:r>
-                        <a:rPr lang="fr-FR" baseline="0" dirty="0" smtClean="0">
-                          <a:latin typeface="Ubuntu" pitchFamily="34" charset="0"/>
-                        </a:rPr>
-                        <a:t>Pouvoir déplacer les pions et le laurier, voir les animations à chaque fin de tour</a:t>
-                      </a:r>
-                      <a:endParaRPr lang="fr-FR" baseline="0" dirty="0" smtClean="0">
-                        <a:latin typeface="Ubuntu" pitchFamily="34" charset="0"/>
-                      </a:endParaRPr>
-                    </a:p>
-                  </a:txBody>
-                  <a:tcPr/>
-                </a:tc>
-              </a:tr>
-            </a:tbl>
-          </a:graphicData>
-        </a:graphic>
-      </p:graphicFrame>
-    </p:spTree>
-    <p:extLst>
-      <p:ext uri="{BB962C8B-B14F-4D97-AF65-F5344CB8AC3E}">
-        <p14:creationId xmlns:p14="http://schemas.microsoft.com/office/powerpoint/2010/main" val="2710707617"/>
-      </p:ext>
-    </p:extLst>
-  </p:cSld>
-  <p:clrMapOvr>
-    <a:masterClrMapping/>
-  </p:clrMapOvr>
-  <p:transition spd="slow">
-    <p:push dir="r"/>
-  </p:transition>
-</p:sld>
-</file>
-
-<file path=ppt/slides/slide21.xml><?xml version="1.0" encoding="utf-8"?>
-<p:sld xmlns:a="http://schemas.openxmlformats.org/drawingml/2006/main" xmlns:r="http://schemas.openxmlformats.org/officeDocument/2006/relationships" xmlns:p="http://schemas.openxmlformats.org/presentationml/2006/main">
-  <p:cSld>
-    <p:spTree>
-      <p:nvGrpSpPr>
-        <p:cNvPr id="1" name=""/>
-        <p:cNvGrpSpPr/>
-        <p:nvPr/>
-      </p:nvGrpSpPr>
-      <p:grpSpPr>
-        <a:xfrm>
-          <a:off x="0" y="0"/>
-          <a:ext cx="0" cy="0"/>
-          <a:chOff x="0" y="0"/>
-          <a:chExt cx="0" cy="0"/>
-        </a:xfrm>
-      </p:grpSpPr>
-      <p:sp>
-        <p:nvSpPr>
-          <p:cNvPr id="2" name="Titre 1"/>
-          <p:cNvSpPr>
-            <a:spLocks noGrp="1"/>
-          </p:cNvSpPr>
-          <p:nvPr>
-            <p:ph type="title"/>
-          </p:nvPr>
-        </p:nvSpPr>
-        <p:spPr/>
-        <p:txBody>
-          <a:bodyPr/>
-          <a:lstStyle/>
-          <a:p>
-            <a:r>
-              <a:rPr lang="fr-FR" dirty="0" smtClean="0"/>
               <a:t>Client Android</a:t>
             </a:r>
             <a:endParaRPr lang="fr-FR" dirty="0"/>
@@ -20627,7 +20582,7 @@
 </p:sld>
 </file>
 
-<file path=ppt/slides/slide22.xml><?xml version="1.0" encoding="utf-8"?>
+<file path=ppt/slides/slide21.xml><?xml version="1.0" encoding="utf-8"?>
 <p:sld xmlns:a="http://schemas.openxmlformats.org/drawingml/2006/main" xmlns:r="http://schemas.openxmlformats.org/officeDocument/2006/relationships" xmlns:p="http://schemas.openxmlformats.org/presentationml/2006/main">
   <p:cSld>
     <p:spTree>
@@ -20745,6 +20700,306 @@
 </p:sld>
 </file>
 
+<file path=ppt/slides/slide22.xml><?xml version="1.0" encoding="utf-8"?>
+<p:sld xmlns:a="http://schemas.openxmlformats.org/drawingml/2006/main" xmlns:r="http://schemas.openxmlformats.org/officeDocument/2006/relationships" xmlns:p="http://schemas.openxmlformats.org/presentationml/2006/main">
+  <p:cSld>
+    <p:spTree>
+      <p:nvGrpSpPr>
+        <p:cNvPr id="1" name=""/>
+        <p:cNvGrpSpPr/>
+        <p:nvPr/>
+      </p:nvGrpSpPr>
+      <p:grpSpPr>
+        <a:xfrm>
+          <a:off x="0" y="0"/>
+          <a:ext cx="0" cy="0"/>
+          <a:chOff x="0" y="0"/>
+          <a:chExt cx="0" cy="0"/>
+        </a:xfrm>
+      </p:grpSpPr>
+      <p:sp>
+        <p:nvSpPr>
+          <p:cNvPr id="2" name="Titre 1"/>
+          <p:cNvSpPr>
+            <a:spLocks noGrp="1"/>
+          </p:cNvSpPr>
+          <p:nvPr>
+            <p:ph type="title"/>
+          </p:nvPr>
+        </p:nvSpPr>
+        <p:spPr/>
+        <p:txBody>
+          <a:bodyPr/>
+          <a:lstStyle/>
+          <a:p>
+            <a:r>
+              <a:rPr lang="fr-FR" dirty="0" smtClean="0"/>
+              <a:t>Améliorations </a:t>
+            </a:r>
+            <a:r>
+              <a:rPr lang="fr-FR" dirty="0" smtClean="0"/>
+              <a:t>serveur</a:t>
+            </a:r>
+            <a:endParaRPr lang="fr-FR" dirty="0"/>
+          </a:p>
+        </p:txBody>
+      </p:sp>
+      <p:graphicFrame>
+        <p:nvGraphicFramePr>
+          <p:cNvPr id="4" name="Tableau 3"/>
+          <p:cNvGraphicFramePr>
+            <a:graphicFrameLocks noGrp="1"/>
+          </p:cNvGraphicFramePr>
+          <p:nvPr>
+            <p:extLst>
+              <p:ext uri="{D42A27DB-BD31-4B8C-83A1-F6EECF244321}">
+                <p14:modId xmlns:p14="http://schemas.microsoft.com/office/powerpoint/2010/main" val="477732662"/>
+              </p:ext>
+            </p:extLst>
+          </p:nvPr>
+        </p:nvGraphicFramePr>
+        <p:xfrm>
+          <a:off x="251520" y="1844824"/>
+          <a:ext cx="8640960" cy="3939146"/>
+        </p:xfrm>
+        <a:graphic>
+          <a:graphicData uri="http://schemas.openxmlformats.org/drawingml/2006/table">
+            <a:tbl>
+              <a:tblPr firstRow="1" bandRow="1">
+                <a:tableStyleId>{93296810-A885-4BE3-A3E7-6D5BEEA58F35}</a:tableStyleId>
+              </a:tblPr>
+              <a:tblGrid>
+                <a:gridCol w="2592288"/>
+                <a:gridCol w="6048672"/>
+              </a:tblGrid>
+              <a:tr h="504056">
+                <a:tc>
+                  <a:txBody>
+                    <a:bodyPr/>
+                    <a:lstStyle/>
+                    <a:p>
+                      <a:r>
+                        <a:rPr lang="fr-FR" dirty="0" smtClean="0">
+                          <a:latin typeface="Ubuntu" pitchFamily="34" charset="0"/>
+                        </a:rPr>
+                        <a:t>Serveur</a:t>
+                      </a:r>
+                      <a:endParaRPr lang="fr-FR" dirty="0">
+                        <a:latin typeface="Ubuntu" pitchFamily="34" charset="0"/>
+                      </a:endParaRPr>
+                    </a:p>
+                  </a:txBody>
+                  <a:tcPr/>
+                </a:tc>
+                <a:tc>
+                  <a:txBody>
+                    <a:bodyPr/>
+                    <a:lstStyle/>
+                    <a:p>
+                      <a:r>
+                        <a:rPr lang="fr-FR" dirty="0" smtClean="0">
+                          <a:latin typeface="Ubuntu" pitchFamily="34" charset="0"/>
+                        </a:rPr>
+                        <a:t>Améliorations</a:t>
+                      </a:r>
+                      <a:endParaRPr lang="fr-FR" dirty="0">
+                        <a:latin typeface="Ubuntu" pitchFamily="34" charset="0"/>
+                      </a:endParaRPr>
+                    </a:p>
+                  </a:txBody>
+                  <a:tcPr/>
+                </a:tc>
+              </a:tr>
+              <a:tr h="1717545">
+                <a:tc>
+                  <a:txBody>
+                    <a:bodyPr/>
+                    <a:lstStyle/>
+                    <a:p>
+                      <a:r>
+                        <a:rPr lang="fr-FR" dirty="0" smtClean="0">
+                          <a:latin typeface="Ubuntu" pitchFamily="34" charset="0"/>
+                        </a:rPr>
+                        <a:t>IA</a:t>
+                      </a:r>
+                      <a:endParaRPr lang="fr-FR" dirty="0">
+                        <a:latin typeface="Ubuntu" pitchFamily="34" charset="0"/>
+                      </a:endParaRPr>
+                    </a:p>
+                  </a:txBody>
+                  <a:tcPr/>
+                </a:tc>
+                <a:tc>
+                  <a:txBody>
+                    <a:bodyPr/>
+                    <a:lstStyle/>
+                    <a:p>
+                      <a:pPr marL="285750" indent="-285750">
+                        <a:buFont typeface="Courier New" pitchFamily="49" charset="0"/>
+                        <a:buChar char="o"/>
+                      </a:pPr>
+                      <a:r>
+                        <a:rPr lang="fr-FR" baseline="0" dirty="0" smtClean="0">
+                          <a:latin typeface="Ubuntu" pitchFamily="34" charset="0"/>
+                        </a:rPr>
+                        <a:t>Ajouter l’analyse des combats et des tenailles</a:t>
+                      </a:r>
+                    </a:p>
+                    <a:p>
+                      <a:pPr marL="285750" indent="-285750">
+                        <a:buFont typeface="Courier New" pitchFamily="49" charset="0"/>
+                        <a:buChar char="o"/>
+                      </a:pPr>
+                      <a:r>
+                        <a:rPr lang="fr-FR" baseline="0" dirty="0" smtClean="0">
+                          <a:latin typeface="Ubuntu" pitchFamily="34" charset="0"/>
+                        </a:rPr>
+                        <a:t>Analyser les couples pions/arrivée</a:t>
+                      </a:r>
+                    </a:p>
+                    <a:p>
+                      <a:pPr marL="285750" indent="-285750">
+                        <a:buFont typeface="Courier New" pitchFamily="49" charset="0"/>
+                        <a:buChar char="o"/>
+                      </a:pPr>
+                      <a:r>
+                        <a:rPr lang="fr-FR" baseline="0" dirty="0" smtClean="0">
+                          <a:latin typeface="Ubuntu" pitchFamily="34" charset="0"/>
+                        </a:rPr>
+                        <a:t>Peaufiner les diverses fonctions et les poids pour améliorer l’IA</a:t>
+                      </a:r>
+                      <a:endParaRPr lang="fr-FR" baseline="0" dirty="0" smtClean="0">
+                        <a:latin typeface="Ubuntu" pitchFamily="34" charset="0"/>
+                      </a:endParaRPr>
+                    </a:p>
+                  </a:txBody>
+                  <a:tcPr/>
+                </a:tc>
+              </a:tr>
+              <a:tr h="1717545">
+                <a:tc>
+                  <a:txBody>
+                    <a:bodyPr/>
+                    <a:lstStyle/>
+                    <a:p>
+                      <a:pPr marL="0" marR="0" indent="0" algn="l" defTabSz="914400" rtl="0" eaLnBrk="1" fontAlgn="auto" latinLnBrk="0" hangingPunct="1">
+                        <a:lnSpc>
+                          <a:spcPct val="100000"/>
+                        </a:lnSpc>
+                        <a:spcBef>
+                          <a:spcPts val="0"/>
+                        </a:spcBef>
+                        <a:spcAft>
+                          <a:spcPts val="0"/>
+                        </a:spcAft>
+                        <a:buClrTx/>
+                        <a:buSzTx/>
+                        <a:buFontTx/>
+                        <a:buNone/>
+                        <a:tabLst/>
+                        <a:defRPr/>
+                      </a:pPr>
+                      <a:r>
+                        <a:rPr lang="fr-FR" dirty="0" smtClean="0">
+                          <a:latin typeface="Ubuntu" pitchFamily="34" charset="0"/>
+                        </a:rPr>
+                        <a:t>Règles</a:t>
+                      </a:r>
+                      <a:endParaRPr lang="fr-FR" dirty="0" smtClean="0">
+                        <a:latin typeface="Ubuntu" pitchFamily="34" charset="0"/>
+                      </a:endParaRPr>
+                    </a:p>
+                  </a:txBody>
+                  <a:tcPr/>
+                </a:tc>
+                <a:tc>
+                  <a:txBody>
+                    <a:bodyPr/>
+                    <a:lstStyle/>
+                    <a:p>
+                      <a:pPr marL="285750" marR="0" indent="-285750" algn="l" defTabSz="914400" rtl="0" eaLnBrk="1" fontAlgn="auto" latinLnBrk="0" hangingPunct="1">
+                        <a:lnSpc>
+                          <a:spcPct val="100000"/>
+                        </a:lnSpc>
+                        <a:spcBef>
+                          <a:spcPts val="0"/>
+                        </a:spcBef>
+                        <a:spcAft>
+                          <a:spcPts val="0"/>
+                        </a:spcAft>
+                        <a:buClrTx/>
+                        <a:buSzTx/>
+                        <a:buFont typeface="Courier New" pitchFamily="49" charset="0"/>
+                        <a:buChar char="o"/>
+                        <a:tabLst/>
+                        <a:defRPr/>
+                      </a:pPr>
+                      <a:r>
+                        <a:rPr lang="fr-FR" dirty="0" smtClean="0">
+                          <a:latin typeface="Ubuntu" pitchFamily="34" charset="0"/>
+                        </a:rPr>
+                        <a:t>Ajouter les actions relatives aux cartes</a:t>
+                      </a:r>
+                    </a:p>
+                    <a:p>
+                      <a:pPr marL="285750" marR="0" indent="-285750" algn="l" defTabSz="914400" rtl="0" eaLnBrk="1" fontAlgn="auto" latinLnBrk="0" hangingPunct="1">
+                        <a:lnSpc>
+                          <a:spcPct val="100000"/>
+                        </a:lnSpc>
+                        <a:spcBef>
+                          <a:spcPts val="0"/>
+                        </a:spcBef>
+                        <a:spcAft>
+                          <a:spcPts val="0"/>
+                        </a:spcAft>
+                        <a:buClrTx/>
+                        <a:buSzTx/>
+                        <a:buFont typeface="Courier New" pitchFamily="49" charset="0"/>
+                        <a:buChar char="o"/>
+                        <a:tabLst/>
+                        <a:defRPr/>
+                      </a:pPr>
+                      <a:r>
+                        <a:rPr lang="fr-FR" baseline="0" dirty="0" smtClean="0">
+                          <a:latin typeface="Ubuntu" pitchFamily="34" charset="0"/>
+                        </a:rPr>
+                        <a:t>Ajouter les règles au cavalier et au volcan</a:t>
+                      </a:r>
+                      <a:endParaRPr lang="fr-FR" baseline="0" dirty="0" smtClean="0">
+                        <a:latin typeface="Ubuntu" pitchFamily="34" charset="0"/>
+                      </a:endParaRPr>
+                    </a:p>
+                  </a:txBody>
+                  <a:tcPr/>
+                </a:tc>
+              </a:tr>
+            </a:tbl>
+          </a:graphicData>
+        </a:graphic>
+      </p:graphicFrame>
+    </p:spTree>
+    <p:extLst>
+      <p:ext uri="{BB962C8B-B14F-4D97-AF65-F5344CB8AC3E}">
+        <p14:creationId xmlns:p14="http://schemas.microsoft.com/office/powerpoint/2010/main" val="1030528832"/>
+      </p:ext>
+    </p:extLst>
+  </p:cSld>
+  <p:clrMapOvr>
+    <a:masterClrMapping/>
+  </p:clrMapOvr>
+  <p:transition spd="slow">
+    <p:push dir="r"/>
+  </p:transition>
+  <p:timing>
+    <p:tnLst>
+      <p:par>
+        <p:cTn id="1" dur="indefinite" restart="never" nodeType="tmRoot"/>
+      </p:par>
+    </p:tnLst>
+  </p:timing>
+</p:sld>
+</file>
+
 <file path=ppt/slides/slide23.xml><?xml version="1.0" encoding="utf-8"?>
 <p:sld xmlns:a="http://schemas.openxmlformats.org/drawingml/2006/main" xmlns:r="http://schemas.openxmlformats.org/officeDocument/2006/relationships" xmlns:p="http://schemas.openxmlformats.org/presentationml/2006/main">
   <p:cSld>
@@ -20779,7 +21034,7 @@
           <a:p>
             <a:r>
               <a:rPr lang="fr-FR" dirty="0" smtClean="0"/>
-              <a:t>Améliorations</a:t>
+              <a:t>Améliorations clients</a:t>
             </a:r>
             <a:endParaRPr lang="fr-FR" dirty="0"/>
           </a:p>
@@ -20794,14 +21049,14 @@
           <p:nvPr>
             <p:extLst>
               <p:ext uri="{D42A27DB-BD31-4B8C-83A1-F6EECF244321}">
-                <p14:modId xmlns:p14="http://schemas.microsoft.com/office/powerpoint/2010/main" val="930403446"/>
+                <p14:modId xmlns:p14="http://schemas.microsoft.com/office/powerpoint/2010/main" val="3111720491"/>
               </p:ext>
             </p:extLst>
           </p:nvPr>
         </p:nvGraphicFramePr>
         <p:xfrm>
-          <a:off x="251520" y="1772817"/>
-          <a:ext cx="8640960" cy="4176462"/>
+          <a:off x="251520" y="1844823"/>
+          <a:ext cx="8640960" cy="4104454"/>
         </p:xfrm>
         <a:graphic>
           <a:graphicData uri="http://schemas.openxmlformats.org/drawingml/2006/table">
@@ -20813,7 +21068,7 @@
                 <a:gridCol w="2592288"/>
                 <a:gridCol w="6048672"/>
               </a:tblGrid>
-              <a:tr h="491349">
+              <a:tr h="482878">
                 <a:tc>
                   <a:txBody>
                     <a:bodyPr/>
@@ -20851,7 +21106,7 @@
                   <a:tcPr/>
                 </a:tc>
               </a:tr>
-              <a:tr h="1228371">
+              <a:tr h="1207192">
                 <a:tc>
                   <a:txBody>
                     <a:bodyPr/>
@@ -20895,7 +21150,13 @@
                         <a:rPr lang="fr-FR" baseline="0" dirty="0" smtClean="0">
                           <a:latin typeface="Ubuntu" pitchFamily="34" charset="0"/>
                         </a:rPr>
-                        <a:t>Ajouter un mode super-utilisateur</a:t>
+                        <a:t>Ajouter un mode </a:t>
+                      </a:r>
+                      <a:r>
+                        <a:rPr lang="fr-FR" baseline="0" dirty="0" smtClean="0">
+                          <a:latin typeface="Ubuntu" pitchFamily="34" charset="0"/>
+                        </a:rPr>
+                        <a:t>super-utilisateur</a:t>
                       </a:r>
                     </a:p>
                     <a:p>
@@ -20907,14 +21168,29 @@
                         <a:rPr lang="fr-FR" baseline="0" dirty="0" smtClean="0">
                           <a:latin typeface="Ubuntu" pitchFamily="34" charset="0"/>
                         </a:rPr>
-                        <a:t>Faire plus de tests</a:t>
+                        <a:t>Animations plus complexes</a:t>
                       </a:r>
+                    </a:p>
+                    <a:p>
+                      <a:pPr marL="285750" indent="-285750">
+                        <a:buFont typeface="Courier New" pitchFamily="49" charset="0"/>
+                        <a:buChar char="o"/>
+                      </a:pPr>
+                      <a:r>
+                        <a:rPr lang="fr-FR" baseline="0" dirty="0" smtClean="0">
+                          <a:latin typeface="Ubuntu" pitchFamily="34" charset="0"/>
+                        </a:rPr>
+                        <a:t>Optimisation</a:t>
+                      </a:r>
+                      <a:endParaRPr lang="fr-FR" baseline="0" dirty="0" smtClean="0">
+                        <a:latin typeface="Ubuntu" pitchFamily="34" charset="0"/>
+                      </a:endParaRPr>
                     </a:p>
                   </a:txBody>
                   <a:tcPr/>
                 </a:tc>
               </a:tr>
-              <a:tr h="1228371">
+              <a:tr h="1207192">
                 <a:tc>
                   <a:txBody>
                     <a:bodyPr/>
@@ -20965,7 +21241,7 @@
                   <a:tcPr/>
                 </a:tc>
               </a:tr>
-              <a:tr h="1228371">
+              <a:tr h="1207192">
                 <a:tc>
                   <a:txBody>
                     <a:bodyPr/>
@@ -21950,9 +22226,6 @@
                         </a:rPr>
                         <a:t> avancée</a:t>
                       </a:r>
-                      <a:endParaRPr lang="fr-FR" baseline="0" dirty="0" smtClean="0">
-                        <a:latin typeface="Ubuntu" pitchFamily="34" charset="0"/>
-                      </a:endParaRPr>
                     </a:p>
                   </a:txBody>
                   <a:tcPr/>
@@ -23862,7 +24135,7 @@
   <a:extraClrSchemeLst/>
   <a:extLst>
     <a:ext uri="{05A4C25C-085E-4340-85A3-A5531E510DB2}">
-      <thm15:themeFamily xmlns:thm15="http://schemas.microsoft.com/office/thememl/2012/main" xmlns="" name="Office Theme" id="{62F939B6-93AF-4DB8-9C6B-D6C7DFDC589F}" vid="{4A3C46E8-61CC-4603-A589-7422A47A8E4A}"/>
+      <thm15:themeFamily xmlns="" xmlns:thm15="http://schemas.microsoft.com/office/thememl/2012/main" name="Office Theme" id="{62F939B6-93AF-4DB8-9C6B-D6C7DFDC589F}" vid="{4A3C46E8-61CC-4603-A589-7422A47A8E4A}"/>
     </a:ext>
   </a:extLst>
 </a:theme>
